--- a/51_60/ch58_Inheritance/ch58_Inheritance.pptx
+++ b/51_60/ch58_Inheritance/ch58_Inheritance.pptx
@@ -3652,15 +3652,7 @@
                   <a:srgbClr val="FFFF00"/>
                 </a:solidFill>
               </a:rPr>
-              <a:t>58 </a:t>
-            </a:r>
-            <a:r>
-              <a:rPr lang="en-US" altLang="zh-TW" b="1" dirty="0" err="1">
-                <a:solidFill>
-                  <a:srgbClr val="FFFF00"/>
-                </a:solidFill>
-              </a:rPr>
-              <a:t>Interitance</a:t>
+              <a:t>58 Inheritance</a:t>
             </a:r>
             <a:endParaRPr lang="zh-TW" altLang="en-US" b="1" dirty="0">
               <a:solidFill>
@@ -4033,20 +4025,12 @@
           <a:p>
             <a:pPr algn="l"/>
             <a:r>
-              <a:rPr lang="en-US" altLang="zh-TW" b="1" dirty="0">
+              <a:rPr lang="en-US" altLang="zh-TW" b="1">
                 <a:solidFill>
                   <a:srgbClr val="FFFF00"/>
                 </a:solidFill>
               </a:rPr>
-              <a:t>58 </a:t>
-            </a:r>
-            <a:r>
-              <a:rPr lang="en-US" altLang="zh-TW" b="1" dirty="0" err="1">
-                <a:solidFill>
-                  <a:srgbClr val="FFFF00"/>
-                </a:solidFill>
-              </a:rPr>
-              <a:t>Interitance</a:t>
+              <a:t>58 Inheritance</a:t>
             </a:r>
             <a:endParaRPr lang="zh-TW" altLang="en-US" b="1" dirty="0">
               <a:solidFill>
